--- a/Mexican Restaurants.pptx
+++ b/Mexican Restaurants.pptx
@@ -11,7 +11,8 @@
     <p:sldId id="260" r:id="rId5"/>
     <p:sldId id="261" r:id="rId6"/>
     <p:sldId id="259" r:id="rId7"/>
-    <p:sldId id="262" r:id="rId8"/>
+    <p:sldId id="263" r:id="rId8"/>
+    <p:sldId id="262" r:id="rId9"/>
   </p:sldIdLst>
   <p:sldSz cx="12192000" cy="6858000"/>
   <p:notesSz cx="6858000" cy="9144000"/>
@@ -110,6 +111,11 @@
       </a:defRPr>
     </a:lvl9pPr>
   </p:defaultTextStyle>
+  <p:extLst>
+    <p:ext uri="{EFAFB233-063F-42B5-8137-9DF3F51BA10A}">
+      <p15:sldGuideLst xmlns:p15="http://schemas.microsoft.com/office/powerpoint/2012/main"/>
+    </p:ext>
+  </p:extLst>
 </p:presentation>
 </file>
 
@@ -3827,15 +3833,7 @@
           <a:p>
             <a:r>
               <a:rPr lang="en-US" dirty="0"/>
-              <a:t>Edward </a:t>
-            </a:r>
-            <a:r>
-              <a:rPr lang="en-US" dirty="0" err="1"/>
-              <a:t>Edward</a:t>
-            </a:r>
-            <a:r>
-              <a:rPr lang="en-US" dirty="0"/>
-              <a:t> Michaud</a:t>
+              <a:t>Edward Michaud</a:t>
             </a:r>
           </a:p>
           <a:p>
@@ -5710,6 +5708,514 @@
 </file>
 
 <file path=ppt/slides/slide7.xml><?xml version="1.0" encoding="utf-8"?>
+<p:sld xmlns:a="http://schemas.openxmlformats.org/drawingml/2006/main" xmlns:r="http://schemas.openxmlformats.org/officeDocument/2006/relationships" xmlns:p="http://schemas.openxmlformats.org/presentationml/2006/main">
+  <p:cSld>
+    <p:bg>
+      <p:bgPr>
+        <a:solidFill>
+          <a:schemeClr val="bg1"/>
+        </a:solidFill>
+        <a:effectLst/>
+      </p:bgPr>
+    </p:bg>
+    <p:spTree>
+      <p:nvGrpSpPr>
+        <p:cNvPr id="1" name=""/>
+        <p:cNvGrpSpPr/>
+        <p:nvPr/>
+      </p:nvGrpSpPr>
+      <p:grpSpPr>
+        <a:xfrm>
+          <a:off x="0" y="0"/>
+          <a:ext cx="0" cy="0"/>
+          <a:chOff x="0" y="0"/>
+          <a:chExt cx="0" cy="0"/>
+        </a:xfrm>
+      </p:grpSpPr>
+      <p:sp>
+        <p:nvSpPr>
+          <p:cNvPr id="10" name="Rectangle 9">
+            <a:extLst>
+              <a:ext uri="{FF2B5EF4-FFF2-40B4-BE49-F238E27FC236}">
+                <a16:creationId xmlns:a16="http://schemas.microsoft.com/office/drawing/2014/main" id="{4E4490D0-3672-446A-AC12-B4830333BDDD}"/>
+              </a:ext>
+              <a:ext uri="{C183D7F6-B498-43B3-948B-1728B52AA6E4}">
+                <adec:decorative xmlns:adec="http://schemas.microsoft.com/office/drawing/2017/decorative" val="1"/>
+              </a:ext>
+            </a:extLst>
+          </p:cNvPr>
+          <p:cNvSpPr>
+            <a:spLocks noGrp="1" noRot="1" noChangeAspect="1" noMove="1" noResize="1" noEditPoints="1" noAdjustHandles="1" noChangeArrowheads="1" noChangeShapeType="1" noTextEdit="1"/>
+          </p:cNvSpPr>
+          <p:nvPr>
+            <p:extLst>
+              <p:ext uri="{386F3935-93C4-4BCD-93E2-E3B085C9AB24}">
+                <p16:designElem xmlns:p16="http://schemas.microsoft.com/office/powerpoint/2015/main" val="1"/>
+              </p:ext>
+            </p:extLst>
+          </p:nvPr>
+        </p:nvSpPr>
+        <p:spPr>
+          <a:xfrm>
+            <a:off x="3175" y="6400800"/>
+            <a:ext cx="12188825" cy="457200"/>
+          </a:xfrm>
+          <a:prstGeom prst="rect">
+            <a:avLst/>
+          </a:prstGeom>
+          <a:solidFill>
+            <a:schemeClr val="accent2"/>
+          </a:solidFill>
+          <a:ln>
+            <a:noFill/>
+          </a:ln>
+        </p:spPr>
+        <p:style>
+          <a:lnRef idx="2">
+            <a:schemeClr val="accent1">
+              <a:shade val="50000"/>
+            </a:schemeClr>
+          </a:lnRef>
+          <a:fillRef idx="1">
+            <a:schemeClr val="accent1"/>
+          </a:fillRef>
+          <a:effectRef idx="0">
+            <a:schemeClr val="accent1"/>
+          </a:effectRef>
+          <a:fontRef idx="minor">
+            <a:schemeClr val="lt1"/>
+          </a:fontRef>
+        </p:style>
+      </p:sp>
+      <p:sp>
+        <p:nvSpPr>
+          <p:cNvPr id="12" name="Rectangle 11">
+            <a:extLst>
+              <a:ext uri="{FF2B5EF4-FFF2-40B4-BE49-F238E27FC236}">
+                <a16:creationId xmlns:a16="http://schemas.microsoft.com/office/drawing/2014/main" id="{39CB82C2-DF65-4EC1-8280-F201D50F570B}"/>
+              </a:ext>
+              <a:ext uri="{C183D7F6-B498-43B3-948B-1728B52AA6E4}">
+                <adec:decorative xmlns:adec="http://schemas.microsoft.com/office/drawing/2017/decorative" val="1"/>
+              </a:ext>
+            </a:extLst>
+          </p:cNvPr>
+          <p:cNvSpPr>
+            <a:spLocks noGrp="1" noRot="1" noChangeAspect="1" noMove="1" noResize="1" noEditPoints="1" noAdjustHandles="1" noChangeArrowheads="1" noChangeShapeType="1" noTextEdit="1"/>
+          </p:cNvSpPr>
+          <p:nvPr>
+            <p:extLst>
+              <p:ext uri="{386F3935-93C4-4BCD-93E2-E3B085C9AB24}">
+                <p16:designElem xmlns:p16="http://schemas.microsoft.com/office/powerpoint/2015/main" val="1"/>
+              </p:ext>
+            </p:extLst>
+          </p:nvPr>
+        </p:nvSpPr>
+        <p:spPr>
+          <a:xfrm>
+            <a:off x="15" y="6334316"/>
+            <a:ext cx="12188825" cy="64008"/>
+          </a:xfrm>
+          <a:prstGeom prst="rect">
+            <a:avLst/>
+          </a:prstGeom>
+          <a:solidFill>
+            <a:schemeClr val="accent1"/>
+          </a:solidFill>
+          <a:ln>
+            <a:noFill/>
+          </a:ln>
+        </p:spPr>
+        <p:style>
+          <a:lnRef idx="2">
+            <a:schemeClr val="accent1">
+              <a:shade val="50000"/>
+            </a:schemeClr>
+          </a:lnRef>
+          <a:fillRef idx="1">
+            <a:schemeClr val="accent1"/>
+          </a:fillRef>
+          <a:effectRef idx="0">
+            <a:schemeClr val="accent1"/>
+          </a:effectRef>
+          <a:fontRef idx="minor">
+            <a:schemeClr val="lt1"/>
+          </a:fontRef>
+        </p:style>
+      </p:sp>
+      <p:cxnSp>
+        <p:nvCxnSpPr>
+          <p:cNvPr id="14" name="Straight Connector 13">
+            <a:extLst>
+              <a:ext uri="{FF2B5EF4-FFF2-40B4-BE49-F238E27FC236}">
+                <a16:creationId xmlns:a16="http://schemas.microsoft.com/office/drawing/2014/main" id="{7E1D4427-852B-4B37-8E76-0E9F1810BA2A}"/>
+              </a:ext>
+              <a:ext uri="{C183D7F6-B498-43B3-948B-1728B52AA6E4}">
+                <adec:decorative xmlns:adec="http://schemas.microsoft.com/office/drawing/2017/decorative" val="1"/>
+              </a:ext>
+            </a:extLst>
+          </p:cNvPr>
+          <p:cNvCxnSpPr>
+            <a:cxnSpLocks noGrp="1" noRot="1" noChangeAspect="1" noMove="1" noResize="1" noEditPoints="1" noAdjustHandles="1" noChangeArrowheads="1" noChangeShapeType="1"/>
+          </p:cNvCxnSpPr>
+          <p:nvPr>
+            <p:extLst>
+              <p:ext uri="{386F3935-93C4-4BCD-93E2-E3B085C9AB24}">
+                <p16:designElem xmlns:p16="http://schemas.microsoft.com/office/powerpoint/2015/main" val="1"/>
+              </p:ext>
+            </p:extLst>
+          </p:nvPr>
+        </p:nvCxnSpPr>
+        <p:spPr>
+          <a:xfrm>
+            <a:off x="1207658" y="4343400"/>
+            <a:ext cx="9875520" cy="0"/>
+          </a:xfrm>
+          <a:prstGeom prst="line">
+            <a:avLst/>
+          </a:prstGeom>
+          <a:ln w="6350">
+            <a:solidFill>
+              <a:schemeClr val="tx1">
+                <a:lumMod val="50000"/>
+                <a:lumOff val="50000"/>
+              </a:schemeClr>
+            </a:solidFill>
+          </a:ln>
+        </p:spPr>
+        <p:style>
+          <a:lnRef idx="1">
+            <a:schemeClr val="accent1"/>
+          </a:lnRef>
+          <a:fillRef idx="0">
+            <a:schemeClr val="accent1"/>
+          </a:fillRef>
+          <a:effectRef idx="0">
+            <a:schemeClr val="accent1"/>
+          </a:effectRef>
+          <a:fontRef idx="minor">
+            <a:schemeClr val="tx1"/>
+          </a:fontRef>
+        </p:style>
+      </p:cxnSp>
+      <p:sp useBgFill="1">
+        <p:nvSpPr>
+          <p:cNvPr id="16" name="Rectangle 15">
+            <a:extLst>
+              <a:ext uri="{FF2B5EF4-FFF2-40B4-BE49-F238E27FC236}">
+                <a16:creationId xmlns:a16="http://schemas.microsoft.com/office/drawing/2014/main" id="{C4AAA502-5435-489E-9538-3A40E6C71461}"/>
+              </a:ext>
+              <a:ext uri="{C183D7F6-B498-43B3-948B-1728B52AA6E4}">
+                <adec:decorative xmlns:adec="http://schemas.microsoft.com/office/drawing/2017/decorative" val="1"/>
+              </a:ext>
+            </a:extLst>
+          </p:cNvPr>
+          <p:cNvSpPr>
+            <a:spLocks noGrp="1" noRot="1" noChangeAspect="1" noMove="1" noResize="1" noEditPoints="1" noAdjustHandles="1" noChangeArrowheads="1" noChangeShapeType="1" noTextEdit="1"/>
+          </p:cNvSpPr>
+          <p:nvPr>
+            <p:extLst>
+              <p:ext uri="{386F3935-93C4-4BCD-93E2-E3B085C9AB24}">
+                <p16:designElem xmlns:p16="http://schemas.microsoft.com/office/powerpoint/2015/main" val="1"/>
+              </p:ext>
+            </p:extLst>
+          </p:nvPr>
+        </p:nvSpPr>
+        <p:spPr>
+          <a:xfrm>
+            <a:off x="0" y="0"/>
+            <a:ext cx="12192001" cy="6334316"/>
+          </a:xfrm>
+          <a:prstGeom prst="rect">
+            <a:avLst/>
+          </a:prstGeom>
+          <a:ln>
+            <a:noFill/>
+          </a:ln>
+        </p:spPr>
+        <p:style>
+          <a:lnRef idx="2">
+            <a:schemeClr val="accent1">
+              <a:shade val="50000"/>
+            </a:schemeClr>
+          </a:lnRef>
+          <a:fillRef idx="1">
+            <a:schemeClr val="accent1"/>
+          </a:fillRef>
+          <a:effectRef idx="0">
+            <a:schemeClr val="accent1"/>
+          </a:effectRef>
+          <a:fontRef idx="minor">
+            <a:schemeClr val="lt1"/>
+          </a:fontRef>
+        </p:style>
+        <p:txBody>
+          <a:bodyPr rtlCol="0" anchor="ctr"/>
+          <a:lstStyle/>
+          <a:p>
+            <a:pPr algn="ctr"/>
+            <a:endParaRPr lang="en-US"/>
+          </a:p>
+        </p:txBody>
+      </p:sp>
+      <p:sp>
+        <p:nvSpPr>
+          <p:cNvPr id="2" name="Title 1">
+            <a:extLst>
+              <a:ext uri="{FF2B5EF4-FFF2-40B4-BE49-F238E27FC236}">
+                <a16:creationId xmlns:a16="http://schemas.microsoft.com/office/drawing/2014/main" id="{E5A6EE1F-7C8C-4827-ACB6-51C5D4A6AF7A}"/>
+              </a:ext>
+            </a:extLst>
+          </p:cNvPr>
+          <p:cNvSpPr>
+            <a:spLocks noGrp="1"/>
+          </p:cNvSpPr>
+          <p:nvPr>
+            <p:ph type="title"/>
+          </p:nvPr>
+        </p:nvSpPr>
+        <p:spPr>
+          <a:xfrm>
+            <a:off x="633999" y="4550229"/>
+            <a:ext cx="10909073" cy="1057655"/>
+          </a:xfrm>
+        </p:spPr>
+        <p:txBody>
+          <a:bodyPr vert="horz" lIns="91440" tIns="45720" rIns="91440" bIns="45720" rtlCol="0" anchor="b">
+            <a:normAutofit/>
+          </a:bodyPr>
+          <a:lstStyle/>
+          <a:p>
+            <a:r>
+              <a:rPr lang="en-US" sz="6000" dirty="0">
+                <a:solidFill>
+                  <a:schemeClr val="tx1">
+                    <a:lumMod val="85000"/>
+                    <a:lumOff val="15000"/>
+                  </a:schemeClr>
+                </a:solidFill>
+              </a:rPr>
+              <a:t>Website Demo</a:t>
+            </a:r>
+          </a:p>
+        </p:txBody>
+      </p:sp>
+      <p:pic>
+        <p:nvPicPr>
+          <p:cNvPr id="7" name="Graphic 6" descr="Monitor">
+            <a:extLst>
+              <a:ext uri="{FF2B5EF4-FFF2-40B4-BE49-F238E27FC236}">
+                <a16:creationId xmlns:a16="http://schemas.microsoft.com/office/drawing/2014/main" id="{B3BB8AC9-1EE1-4279-93CF-2A17971A39BD}"/>
+              </a:ext>
+            </a:extLst>
+          </p:cNvPr>
+          <p:cNvPicPr>
+            <a:picLocks noChangeAspect="1"/>
+          </p:cNvPicPr>
+          <p:nvPr/>
+        </p:nvPicPr>
+        <p:blipFill>
+          <a:blip r:embed="rId2">
+            <a:extLst>
+              <a:ext uri="{28A0092B-C50C-407E-A947-70E740481C1C}">
+                <a14:useLocalDpi xmlns:a14="http://schemas.microsoft.com/office/drawing/2010/main" val="0"/>
+              </a:ext>
+              <a:ext uri="{96DAC541-7B7A-43D3-8B79-37D633B846F1}">
+                <asvg:svgBlip xmlns:asvg="http://schemas.microsoft.com/office/drawing/2016/SVG/main" r:embed="rId3"/>
+              </a:ext>
+            </a:extLst>
+          </a:blip>
+          <a:stretch>
+            <a:fillRect/>
+          </a:stretch>
+        </p:blipFill>
+        <p:spPr>
+          <a:xfrm>
+            <a:off x="635457" y="640080"/>
+            <a:ext cx="3602736" cy="3602736"/>
+          </a:xfrm>
+          <a:prstGeom prst="rect">
+            <a:avLst/>
+          </a:prstGeom>
+        </p:spPr>
+      </p:pic>
+      <p:cxnSp>
+        <p:nvCxnSpPr>
+          <p:cNvPr id="18" name="Straight Connector 17">
+            <a:extLst>
+              <a:ext uri="{FF2B5EF4-FFF2-40B4-BE49-F238E27FC236}">
+                <a16:creationId xmlns:a16="http://schemas.microsoft.com/office/drawing/2014/main" id="{C9AC0290-4702-4519-B0F4-C2A46880997B}"/>
+              </a:ext>
+              <a:ext uri="{C183D7F6-B498-43B3-948B-1728B52AA6E4}">
+                <adec:decorative xmlns:adec="http://schemas.microsoft.com/office/drawing/2017/decorative" val="1"/>
+              </a:ext>
+            </a:extLst>
+          </p:cNvPr>
+          <p:cNvCxnSpPr>
+            <a:cxnSpLocks noGrp="1" noRot="1" noChangeAspect="1" noMove="1" noResize="1" noEditPoints="1" noAdjustHandles="1" noChangeArrowheads="1" noChangeShapeType="1"/>
+          </p:cNvCxnSpPr>
+          <p:nvPr>
+            <p:extLst>
+              <p:ext uri="{386F3935-93C4-4BCD-93E2-E3B085C9AB24}">
+                <p16:designElem xmlns:p16="http://schemas.microsoft.com/office/powerpoint/2015/main" val="1"/>
+              </p:ext>
+            </p:extLst>
+          </p:nvPr>
+        </p:nvCxnSpPr>
+        <p:spPr>
+          <a:xfrm>
+            <a:off x="721086" y="5618770"/>
+            <a:ext cx="10515600" cy="0"/>
+          </a:xfrm>
+          <a:prstGeom prst="line">
+            <a:avLst/>
+          </a:prstGeom>
+          <a:ln w="6350">
+            <a:solidFill>
+              <a:schemeClr val="tx2">
+                <a:alpha val="90000"/>
+              </a:schemeClr>
+            </a:solidFill>
+          </a:ln>
+        </p:spPr>
+        <p:style>
+          <a:lnRef idx="1">
+            <a:schemeClr val="accent1"/>
+          </a:lnRef>
+          <a:fillRef idx="0">
+            <a:schemeClr val="accent1"/>
+          </a:fillRef>
+          <a:effectRef idx="0">
+            <a:schemeClr val="accent1"/>
+          </a:effectRef>
+          <a:fontRef idx="minor">
+            <a:schemeClr val="tx1"/>
+          </a:fontRef>
+        </p:style>
+      </p:cxnSp>
+      <p:sp>
+        <p:nvSpPr>
+          <p:cNvPr id="20" name="Rectangle 19">
+            <a:extLst>
+              <a:ext uri="{FF2B5EF4-FFF2-40B4-BE49-F238E27FC236}">
+                <a16:creationId xmlns:a16="http://schemas.microsoft.com/office/drawing/2014/main" id="{DE42378B-2E28-4810-8421-7A473A40E376}"/>
+              </a:ext>
+              <a:ext uri="{C183D7F6-B498-43B3-948B-1728B52AA6E4}">
+                <adec:decorative xmlns:adec="http://schemas.microsoft.com/office/drawing/2017/decorative" val="1"/>
+              </a:ext>
+            </a:extLst>
+          </p:cNvPr>
+          <p:cNvSpPr>
+            <a:spLocks noGrp="1" noRot="1" noChangeAspect="1" noMove="1" noResize="1" noEditPoints="1" noAdjustHandles="1" noChangeArrowheads="1" noChangeShapeType="1" noTextEdit="1"/>
+          </p:cNvSpPr>
+          <p:nvPr>
+            <p:extLst>
+              <p:ext uri="{386F3935-93C4-4BCD-93E2-E3B085C9AB24}">
+                <p16:designElem xmlns:p16="http://schemas.microsoft.com/office/powerpoint/2015/main" val="1"/>
+              </p:ext>
+            </p:extLst>
+          </p:nvPr>
+        </p:nvSpPr>
+        <p:spPr>
+          <a:xfrm>
+            <a:off x="15" y="6334316"/>
+            <a:ext cx="12191985" cy="66484"/>
+          </a:xfrm>
+          <a:prstGeom prst="rect">
+            <a:avLst/>
+          </a:prstGeom>
+          <a:solidFill>
+            <a:schemeClr val="accent1"/>
+          </a:solidFill>
+          <a:ln>
+            <a:noFill/>
+          </a:ln>
+        </p:spPr>
+        <p:style>
+          <a:lnRef idx="2">
+            <a:schemeClr val="accent1">
+              <a:shade val="50000"/>
+            </a:schemeClr>
+          </a:lnRef>
+          <a:fillRef idx="1">
+            <a:schemeClr val="accent1"/>
+          </a:fillRef>
+          <a:effectRef idx="0">
+            <a:schemeClr val="accent1"/>
+          </a:effectRef>
+          <a:fontRef idx="minor">
+            <a:schemeClr val="lt1"/>
+          </a:fontRef>
+        </p:style>
+      </p:sp>
+      <p:sp>
+        <p:nvSpPr>
+          <p:cNvPr id="22" name="Rectangle 21">
+            <a:extLst>
+              <a:ext uri="{FF2B5EF4-FFF2-40B4-BE49-F238E27FC236}">
+                <a16:creationId xmlns:a16="http://schemas.microsoft.com/office/drawing/2014/main" id="{0D91DD17-237F-4811-BC0E-128EB1BD7CFE}"/>
+              </a:ext>
+              <a:ext uri="{C183D7F6-B498-43B3-948B-1728B52AA6E4}">
+                <adec:decorative xmlns:adec="http://schemas.microsoft.com/office/drawing/2017/decorative" val="1"/>
+              </a:ext>
+            </a:extLst>
+          </p:cNvPr>
+          <p:cNvSpPr>
+            <a:spLocks noGrp="1" noRot="1" noChangeAspect="1" noMove="1" noResize="1" noEditPoints="1" noAdjustHandles="1" noChangeArrowheads="1" noChangeShapeType="1" noTextEdit="1"/>
+          </p:cNvSpPr>
+          <p:nvPr>
+            <p:extLst>
+              <p:ext uri="{386F3935-93C4-4BCD-93E2-E3B085C9AB24}">
+                <p16:designElem xmlns:p16="http://schemas.microsoft.com/office/powerpoint/2015/main" val="1"/>
+              </p:ext>
+            </p:extLst>
+          </p:nvPr>
+        </p:nvSpPr>
+        <p:spPr>
+          <a:xfrm>
+            <a:off x="1" y="6400800"/>
+            <a:ext cx="12192000" cy="457200"/>
+          </a:xfrm>
+          <a:prstGeom prst="rect">
+            <a:avLst/>
+          </a:prstGeom>
+          <a:solidFill>
+            <a:schemeClr val="accent2"/>
+          </a:solidFill>
+          <a:ln>
+            <a:noFill/>
+          </a:ln>
+        </p:spPr>
+        <p:style>
+          <a:lnRef idx="2">
+            <a:schemeClr val="accent1">
+              <a:shade val="50000"/>
+            </a:schemeClr>
+          </a:lnRef>
+          <a:fillRef idx="1">
+            <a:schemeClr val="accent1"/>
+          </a:fillRef>
+          <a:effectRef idx="0">
+            <a:schemeClr val="accent1"/>
+          </a:effectRef>
+          <a:fontRef idx="minor">
+            <a:schemeClr val="lt1"/>
+          </a:fontRef>
+        </p:style>
+      </p:sp>
+    </p:spTree>
+    <p:extLst>
+      <p:ext uri="{BB962C8B-B14F-4D97-AF65-F5344CB8AC3E}">
+        <p14:creationId xmlns:p14="http://schemas.microsoft.com/office/powerpoint/2010/main" val="1884865788"/>
+      </p:ext>
+    </p:extLst>
+  </p:cSld>
+  <p:clrMapOvr>
+    <a:masterClrMapping/>
+  </p:clrMapOvr>
+</p:sld>
+</file>
+
+<file path=ppt/slides/slide8.xml><?xml version="1.0" encoding="utf-8"?>
 <p:sld xmlns:a="http://schemas.openxmlformats.org/drawingml/2006/main" xmlns:r="http://schemas.openxmlformats.org/officeDocument/2006/relationships" xmlns:p="http://schemas.openxmlformats.org/presentationml/2006/main">
   <p:cSld>
     <p:bg>
